--- a/docs/Térfelszínszámító.pptx
+++ b/docs/Térfelszínszámító.pptx
@@ -5,22 +5,21 @@
     <p:sldMasterId id="2147483648" r:id="rId4"/>
   </p:sldMasterIdLst>
   <p:notesMasterIdLst>
-    <p:notesMasterId r:id="rId15"/>
+    <p:notesMasterId r:id="rId14"/>
   </p:notesMasterIdLst>
   <p:handoutMasterIdLst>
-    <p:handoutMasterId r:id="rId16"/>
+    <p:handoutMasterId r:id="rId15"/>
   </p:handoutMasterIdLst>
   <p:sldIdLst>
     <p:sldId id="256" r:id="rId5"/>
     <p:sldId id="2439" r:id="rId6"/>
     <p:sldId id="260" r:id="rId7"/>
-    <p:sldId id="2434" r:id="rId8"/>
-    <p:sldId id="258" r:id="rId9"/>
-    <p:sldId id="2445" r:id="rId10"/>
-    <p:sldId id="2444" r:id="rId11"/>
-    <p:sldId id="2438" r:id="rId12"/>
+    <p:sldId id="2438" r:id="rId8"/>
+    <p:sldId id="2434" r:id="rId9"/>
+    <p:sldId id="258" r:id="rId10"/>
+    <p:sldId id="2445" r:id="rId11"/>
+    <p:sldId id="2444" r:id="rId12"/>
     <p:sldId id="2441" r:id="rId13"/>
-    <p:sldId id="2443" r:id="rId14"/>
   </p:sldIdLst>
   <p:sldSz cx="12192000" cy="6858000"/>
   <p:notesSz cx="6858000" cy="9144000"/>
@@ -765,92 +764,6 @@
 </p:notes>
 </file>
 
-<file path=ppt/notesSlides/notesSlide10.xml><?xml version="1.0" encoding="utf-8"?>
-<p:notes xmlns:a="http://schemas.openxmlformats.org/drawingml/2006/main" xmlns:r="http://schemas.openxmlformats.org/officeDocument/2006/relationships" xmlns:p="http://schemas.openxmlformats.org/presentationml/2006/main">
-  <p:cSld>
-    <p:spTree>
-      <p:nvGrpSpPr>
-        <p:cNvPr id="1" name=""/>
-        <p:cNvGrpSpPr/>
-        <p:nvPr/>
-      </p:nvGrpSpPr>
-      <p:grpSpPr>
-        <a:xfrm>
-          <a:off x="0" y="0"/>
-          <a:ext cx="0" cy="0"/>
-          <a:chOff x="0" y="0"/>
-          <a:chExt cx="0" cy="0"/>
-        </a:xfrm>
-      </p:grpSpPr>
-      <p:sp>
-        <p:nvSpPr>
-          <p:cNvPr id="2" name="Diakép helye 1"/>
-          <p:cNvSpPr>
-            <a:spLocks noGrp="1" noRot="1" noChangeAspect="1"/>
-          </p:cNvSpPr>
-          <p:nvPr>
-            <p:ph type="sldImg"/>
-          </p:nvPr>
-        </p:nvSpPr>
-        <p:spPr/>
-      </p:sp>
-      <p:sp>
-        <p:nvSpPr>
-          <p:cNvPr id="3" name="Jegyzetek helye 2"/>
-          <p:cNvSpPr>
-            <a:spLocks noGrp="1"/>
-          </p:cNvSpPr>
-          <p:nvPr>
-            <p:ph type="body" idx="1"/>
-          </p:nvPr>
-        </p:nvSpPr>
-        <p:spPr/>
-        <p:txBody>
-          <a:bodyPr rtlCol="0"/>
-          <a:lstStyle/>
-          <a:p>
-            <a:pPr rtl="0"/>
-            <a:endParaRPr lang="hu-HU"/>
-          </a:p>
-        </p:txBody>
-      </p:sp>
-      <p:sp>
-        <p:nvSpPr>
-          <p:cNvPr id="4" name="Dia számának helye 3"/>
-          <p:cNvSpPr>
-            <a:spLocks noGrp="1"/>
-          </p:cNvSpPr>
-          <p:nvPr>
-            <p:ph type="sldNum" sz="quarter" idx="10"/>
-          </p:nvPr>
-        </p:nvSpPr>
-        <p:spPr/>
-        <p:txBody>
-          <a:bodyPr rtlCol="0"/>
-          <a:lstStyle/>
-          <a:p>
-            <a:pPr rtl="0"/>
-            <a:fld id="{AA3BE989-76B8-4F13-9267-01FDA45C437A}" type="slidenum">
-              <a:rPr lang="hu-HU" smtClean="0"/>
-              <a:t>10</a:t>
-            </a:fld>
-            <a:endParaRPr lang="hu-HU"/>
-          </a:p>
-        </p:txBody>
-      </p:sp>
-    </p:spTree>
-    <p:extLst>
-      <p:ext uri="{BB962C8B-B14F-4D97-AF65-F5344CB8AC3E}">
-        <p14:creationId xmlns:p14="http://schemas.microsoft.com/office/powerpoint/2010/main" val="584035159"/>
-      </p:ext>
-    </p:extLst>
-  </p:cSld>
-  <p:clrMapOvr>
-    <a:masterClrMapping/>
-  </p:clrMapOvr>
-</p:notes>
-</file>
-
 <file path=ppt/notesSlides/notesSlide2.xml><?xml version="1.0" encoding="utf-8"?>
 <p:notes xmlns:a="http://schemas.openxmlformats.org/drawingml/2006/main" xmlns:r="http://schemas.openxmlformats.org/officeDocument/2006/relationships" xmlns:p="http://schemas.openxmlformats.org/presentationml/2006/main">
   <p:cSld>
@@ -1079,7 +992,7 @@
             <a:spLocks noGrp="1"/>
           </p:cNvSpPr>
           <p:nvPr>
-            <p:ph type="sldNum" sz="quarter" idx="10"/>
+            <p:ph type="sldNum" sz="quarter" idx="5"/>
           </p:nvPr>
         </p:nvSpPr>
         <p:spPr/>
@@ -1099,7 +1012,7 @@
     </p:spTree>
     <p:extLst>
       <p:ext uri="{BB962C8B-B14F-4D97-AF65-F5344CB8AC3E}">
-        <p14:creationId xmlns:p14="http://schemas.microsoft.com/office/powerpoint/2010/main" val="1148946566"/>
+        <p14:creationId xmlns:p14="http://schemas.microsoft.com/office/powerpoint/2010/main" val="3152035964"/>
       </p:ext>
     </p:extLst>
   </p:cSld>
@@ -1185,7 +1098,7 @@
     </p:spTree>
     <p:extLst>
       <p:ext uri="{BB962C8B-B14F-4D97-AF65-F5344CB8AC3E}">
-        <p14:creationId xmlns:p14="http://schemas.microsoft.com/office/powerpoint/2010/main" val="2298582732"/>
+        <p14:creationId xmlns:p14="http://schemas.microsoft.com/office/powerpoint/2010/main" val="1148946566"/>
       </p:ext>
     </p:extLst>
   </p:cSld>
@@ -1271,7 +1184,7 @@
     </p:spTree>
     <p:extLst>
       <p:ext uri="{BB962C8B-B14F-4D97-AF65-F5344CB8AC3E}">
-        <p14:creationId xmlns:p14="http://schemas.microsoft.com/office/powerpoint/2010/main" val="1258447998"/>
+        <p14:creationId xmlns:p14="http://schemas.microsoft.com/office/powerpoint/2010/main" val="2298582732"/>
       </p:ext>
     </p:extLst>
   </p:cSld>
@@ -1357,7 +1270,7 @@
     </p:spTree>
     <p:extLst>
       <p:ext uri="{BB962C8B-B14F-4D97-AF65-F5344CB8AC3E}">
-        <p14:creationId xmlns:p14="http://schemas.microsoft.com/office/powerpoint/2010/main" val="907770546"/>
+        <p14:creationId xmlns:p14="http://schemas.microsoft.com/office/powerpoint/2010/main" val="1258447998"/>
       </p:ext>
     </p:extLst>
   </p:cSld>
@@ -1423,7 +1336,7 @@
             <a:spLocks noGrp="1"/>
           </p:cNvSpPr>
           <p:nvPr>
-            <p:ph type="sldNum" sz="quarter" idx="5"/>
+            <p:ph type="sldNum" sz="quarter" idx="10"/>
           </p:nvPr>
         </p:nvSpPr>
         <p:spPr/>
@@ -1443,7 +1356,7 @@
     </p:spTree>
     <p:extLst>
       <p:ext uri="{BB962C8B-B14F-4D97-AF65-F5344CB8AC3E}">
-        <p14:creationId xmlns:p14="http://schemas.microsoft.com/office/powerpoint/2010/main" val="3152035964"/>
+        <p14:creationId xmlns:p14="http://schemas.microsoft.com/office/powerpoint/2010/main" val="907770546"/>
       </p:ext>
     </p:extLst>
   </p:cSld>
@@ -9676,144 +9589,6 @@
 </p:sld>
 </file>
 
-<file path=ppt/slides/slide10.xml><?xml version="1.0" encoding="utf-8"?>
-<p:sld xmlns:a="http://schemas.openxmlformats.org/drawingml/2006/main" xmlns:r="http://schemas.openxmlformats.org/officeDocument/2006/relationships" xmlns:p="http://schemas.openxmlformats.org/presentationml/2006/main">
-  <p:cSld>
-    <p:spTree>
-      <p:nvGrpSpPr>
-        <p:cNvPr id="1" name=""/>
-        <p:cNvGrpSpPr/>
-        <p:nvPr/>
-      </p:nvGrpSpPr>
-      <p:grpSpPr>
-        <a:xfrm>
-          <a:off x="0" y="0"/>
-          <a:ext cx="0" cy="0"/>
-          <a:chOff x="0" y="0"/>
-          <a:chExt cx="0" cy="0"/>
-        </a:xfrm>
-      </p:grpSpPr>
-      <p:sp>
-        <p:nvSpPr>
-          <p:cNvPr id="2" name="Dia számának helye 1">
-            <a:extLst>
-              <a:ext uri="{FF2B5EF4-FFF2-40B4-BE49-F238E27FC236}">
-                <a16:creationId xmlns:a16="http://schemas.microsoft.com/office/drawing/2014/main" id="{D886D306-B4E6-47AF-A7F0-22B0BB044488}"/>
-              </a:ext>
-            </a:extLst>
-          </p:cNvPr>
-          <p:cNvSpPr>
-            <a:spLocks noGrp="1"/>
-          </p:cNvSpPr>
-          <p:nvPr>
-            <p:ph type="sldNum" sz="quarter" idx="11"/>
-          </p:nvPr>
-        </p:nvSpPr>
-        <p:spPr>
-          <a:xfrm>
-            <a:off x="11549269" y="6415271"/>
-            <a:ext cx="642731" cy="407804"/>
-          </a:xfrm>
-        </p:spPr>
-        <p:txBody>
-          <a:bodyPr rtlCol="0"/>
-          <a:lstStyle/>
-          <a:p>
-            <a:pPr rtl="0"/>
-            <a:fld id="{8C2E478F-E849-4A8C-AF1F-CBCC78A7CBFA}" type="slidenum">
-              <a:rPr lang="hu-HU" smtClean="0"/>
-              <a:pPr rtl="0"/>
-              <a:t>10</a:t>
-            </a:fld>
-            <a:endParaRPr lang="hu-HU"/>
-          </a:p>
-        </p:txBody>
-      </p:sp>
-      <p:sp>
-        <p:nvSpPr>
-          <p:cNvPr id="4" name="Cím 3">
-            <a:extLst>
-              <a:ext uri="{FF2B5EF4-FFF2-40B4-BE49-F238E27FC236}">
-                <a16:creationId xmlns:a16="http://schemas.microsoft.com/office/drawing/2014/main" id="{E98DCA46-603B-4178-8707-30E192CE6B8D}"/>
-              </a:ext>
-            </a:extLst>
-          </p:cNvPr>
-          <p:cNvSpPr>
-            <a:spLocks noGrp="1"/>
-          </p:cNvSpPr>
-          <p:nvPr>
-            <p:ph type="title"/>
-          </p:nvPr>
-        </p:nvSpPr>
-        <p:spPr/>
-        <p:txBody>
-          <a:bodyPr rtlCol="0"/>
-          <a:lstStyle/>
-          <a:p>
-            <a:pPr rtl="0"/>
-            <a:r>
-              <a:rPr lang="hu-HU"/>
-              <a:t>A sablon testreszabása</a:t>
-            </a:r>
-          </a:p>
-        </p:txBody>
-      </p:sp>
-      <p:sp>
-        <p:nvSpPr>
-          <p:cNvPr id="3" name="Szöveg helye 2">
-            <a:extLst>
-              <a:ext uri="{FF2B5EF4-FFF2-40B4-BE49-F238E27FC236}">
-                <a16:creationId xmlns:a16="http://schemas.microsoft.com/office/drawing/2014/main" id="{B84C3A53-760B-4DC4-9550-B0B5BB606FCD}"/>
-              </a:ext>
-            </a:extLst>
-          </p:cNvPr>
-          <p:cNvSpPr>
-            <a:spLocks noGrp="1"/>
-          </p:cNvSpPr>
-          <p:nvPr>
-            <p:ph type="body" sz="quarter" idx="4294967295"/>
-          </p:nvPr>
-        </p:nvSpPr>
-        <p:spPr>
-          <a:xfrm>
-            <a:off x="1587500" y="1722438"/>
-            <a:ext cx="9017000" cy="3413125"/>
-          </a:xfrm>
-        </p:spPr>
-        <p:txBody>
-          <a:bodyPr rtlCol="0" anchor="ctr">
-            <a:normAutofit/>
-          </a:bodyPr>
-          <a:lstStyle/>
-          <a:p>
-            <a:pPr marL="0" indent="0" algn="ctr" rtl="0">
-              <a:lnSpc>
-                <a:spcPct val="100000"/>
-              </a:lnSpc>
-              <a:buNone/>
-            </a:pPr>
-            <a:r>
-              <a:rPr lang="hu-HU" sz="6000" u="sng">
-                <a:hlinkClick r:id="rId3"/>
-              </a:rPr>
-              <a:t>Sablonszerkesztési utasítások és visszajelzés</a:t>
-            </a:r>
-          </a:p>
-        </p:txBody>
-      </p:sp>
-    </p:spTree>
-    <p:extLst>
-      <p:ext uri="{BB962C8B-B14F-4D97-AF65-F5344CB8AC3E}">
-        <p14:creationId xmlns:p14="http://schemas.microsoft.com/office/powerpoint/2010/main" val="59582380"/>
-      </p:ext>
-    </p:extLst>
-  </p:cSld>
-  <p:clrMapOvr>
-    <a:masterClrMapping/>
-  </p:clrMapOvr>
-</p:sld>
-</file>
-
 <file path=ppt/slides/slide2.xml><?xml version="1.0" encoding="utf-8"?>
 <p:sld xmlns:a="http://schemas.openxmlformats.org/drawingml/2006/main" xmlns:r="http://schemas.openxmlformats.org/officeDocument/2006/relationships" xmlns:p="http://schemas.openxmlformats.org/presentationml/2006/main">
   <p:cSld>
@@ -10787,6 +10562,544 @@
 </file>
 
 <file path=ppt/slides/slide4.xml><?xml version="1.0" encoding="utf-8"?>
+<p:sld xmlns:a="http://schemas.openxmlformats.org/drawingml/2006/main" xmlns:r="http://schemas.openxmlformats.org/officeDocument/2006/relationships" xmlns:p="http://schemas.openxmlformats.org/presentationml/2006/main">
+  <p:cSld>
+    <p:spTree>
+      <p:nvGrpSpPr>
+        <p:cNvPr id="1" name=""/>
+        <p:cNvGrpSpPr/>
+        <p:nvPr/>
+      </p:nvGrpSpPr>
+      <p:grpSpPr>
+        <a:xfrm>
+          <a:off x="0" y="0"/>
+          <a:ext cx="0" cy="0"/>
+          <a:chOff x="0" y="0"/>
+          <a:chExt cx="0" cy="0"/>
+        </a:xfrm>
+      </p:grpSpPr>
+      <p:sp>
+        <p:nvSpPr>
+          <p:cNvPr id="8" name="Cím 7">
+            <a:extLst>
+              <a:ext uri="{FF2B5EF4-FFF2-40B4-BE49-F238E27FC236}">
+                <a16:creationId xmlns:a16="http://schemas.microsoft.com/office/drawing/2014/main" id="{097D2725-75F4-45AA-950F-2F67BBF8F754}"/>
+              </a:ext>
+            </a:extLst>
+          </p:cNvPr>
+          <p:cNvSpPr>
+            <a:spLocks noGrp="1"/>
+          </p:cNvSpPr>
+          <p:nvPr>
+            <p:ph type="title"/>
+          </p:nvPr>
+        </p:nvSpPr>
+        <p:spPr>
+          <a:xfrm>
+            <a:off x="595884" y="0"/>
+            <a:ext cx="11000232" cy="1188720"/>
+          </a:xfrm>
+        </p:spPr>
+        <p:txBody>
+          <a:bodyPr rtlCol="0"/>
+          <a:lstStyle/>
+          <a:p>
+            <a:pPr rtl="0"/>
+            <a:r>
+              <a:rPr lang="hu-HU"/>
+              <a:t>Cím:</a:t>
+            </a:r>
+          </a:p>
+        </p:txBody>
+      </p:sp>
+      <p:pic>
+        <p:nvPicPr>
+          <p:cNvPr id="5" name="Kép helyőrzője 4" descr="Absztrakt épület" title="Absztrakt épület">
+            <a:extLst>
+              <a:ext uri="{FF2B5EF4-FFF2-40B4-BE49-F238E27FC236}">
+                <a16:creationId xmlns:a16="http://schemas.microsoft.com/office/drawing/2014/main" id="{A0DC386B-E165-424D-B694-E2C45FFA4071}"/>
+              </a:ext>
+            </a:extLst>
+          </p:cNvPr>
+          <p:cNvPicPr>
+            <a:picLocks noGrp="1" noChangeAspect="1"/>
+          </p:cNvPicPr>
+          <p:nvPr>
+            <p:ph type="pic" sz="quarter" idx="10"/>
+          </p:nvPr>
+        </p:nvPicPr>
+        <p:blipFill>
+          <a:blip r:embed="rId3">
+            <a:extLst>
+              <a:ext uri="{28A0092B-C50C-407E-A947-70E740481C1C}">
+                <a14:useLocalDpi xmlns:a14="http://schemas.microsoft.com/office/drawing/2010/main" val="0"/>
+              </a:ext>
+            </a:extLst>
+          </a:blip>
+          <a:srcRect/>
+          <a:stretch>
+            <a:fillRect/>
+          </a:stretch>
+        </p:blipFill>
+        <p:spPr/>
+      </p:pic>
+      <p:sp>
+        <p:nvSpPr>
+          <p:cNvPr id="11" name="Téglalap 10">
+            <a:extLst>
+              <a:ext uri="{FF2B5EF4-FFF2-40B4-BE49-F238E27FC236}">
+                <a16:creationId xmlns:a16="http://schemas.microsoft.com/office/drawing/2014/main" id="{618826A1-4E90-405A-AE28-5500B0A362E3}"/>
+              </a:ext>
+              <a:ext uri="{C183D7F6-B498-43B3-948B-1728B52AA6E4}">
+                <adec:decorative xmlns="" xmlns:adec="http://schemas.microsoft.com/office/drawing/2017/decorative" val="1"/>
+              </a:ext>
+            </a:extLst>
+          </p:cNvPr>
+          <p:cNvSpPr/>
+          <p:nvPr/>
+        </p:nvSpPr>
+        <p:spPr>
+          <a:xfrm flipH="1">
+            <a:off x="6568221" y="4076700"/>
+            <a:ext cx="5386926" cy="2131595"/>
+          </a:xfrm>
+          <a:prstGeom prst="rect">
+            <a:avLst/>
+          </a:prstGeom>
+          <a:gradFill>
+            <a:gsLst>
+              <a:gs pos="0">
+                <a:srgbClr val="038B30">
+                  <a:alpha val="70000"/>
+                </a:srgbClr>
+              </a:gs>
+              <a:gs pos="100000">
+                <a:srgbClr val="C0F400">
+                  <a:alpha val="70000"/>
+                </a:srgbClr>
+              </a:gs>
+              <a:gs pos="50000">
+                <a:srgbClr val="05EE55">
+                  <a:alpha val="70000"/>
+                </a:srgbClr>
+              </a:gs>
+            </a:gsLst>
+            <a:lin ang="16200000" scaled="1"/>
+          </a:gradFill>
+          <a:ln>
+            <a:noFill/>
+          </a:ln>
+        </p:spPr>
+        <p:style>
+          <a:lnRef idx="2">
+            <a:schemeClr val="accent1">
+              <a:shade val="50000"/>
+            </a:schemeClr>
+          </a:lnRef>
+          <a:fillRef idx="1">
+            <a:schemeClr val="accent1"/>
+          </a:fillRef>
+          <a:effectRef idx="0">
+            <a:schemeClr val="accent1"/>
+          </a:effectRef>
+          <a:fontRef idx="minor">
+            <a:schemeClr val="lt1"/>
+          </a:fontRef>
+        </p:style>
+        <p:txBody>
+          <a:bodyPr rtlCol="0" anchor="ctr"/>
+          <a:lstStyle/>
+          <a:p>
+            <a:pPr algn="ctr" rtl="0"/>
+            <a:endParaRPr lang="hu-HU"/>
+          </a:p>
+        </p:txBody>
+      </p:sp>
+      <p:sp>
+        <p:nvSpPr>
+          <p:cNvPr id="10" name="Téglalap 9">
+            <a:extLst>
+              <a:ext uri="{FF2B5EF4-FFF2-40B4-BE49-F238E27FC236}">
+                <a16:creationId xmlns:a16="http://schemas.microsoft.com/office/drawing/2014/main" id="{0783A1B7-34FF-4F2F-A68D-A3D22C770FCB}"/>
+              </a:ext>
+              <a:ext uri="{C183D7F6-B498-43B3-948B-1728B52AA6E4}">
+                <adec:decorative xmlns="" xmlns:adec="http://schemas.microsoft.com/office/drawing/2017/decorative" val="1"/>
+              </a:ext>
+            </a:extLst>
+          </p:cNvPr>
+          <p:cNvSpPr/>
+          <p:nvPr/>
+        </p:nvSpPr>
+        <p:spPr>
+          <a:xfrm flipH="1">
+            <a:off x="791413" y="502215"/>
+            <a:ext cx="10638585" cy="5706080"/>
+          </a:xfrm>
+          <a:prstGeom prst="rect">
+            <a:avLst/>
+          </a:prstGeom>
+          <a:noFill/>
+          <a:ln w="88900">
+            <a:solidFill>
+              <a:schemeClr val="bg1"/>
+            </a:solidFill>
+          </a:ln>
+        </p:spPr>
+        <p:style>
+          <a:lnRef idx="2">
+            <a:schemeClr val="accent1">
+              <a:shade val="50000"/>
+            </a:schemeClr>
+          </a:lnRef>
+          <a:fillRef idx="1">
+            <a:schemeClr val="accent1"/>
+          </a:fillRef>
+          <a:effectRef idx="0">
+            <a:schemeClr val="accent1"/>
+          </a:effectRef>
+          <a:fontRef idx="minor">
+            <a:schemeClr val="lt1"/>
+          </a:fontRef>
+        </p:style>
+        <p:txBody>
+          <a:bodyPr rtlCol="0" anchor="ctr"/>
+          <a:lstStyle/>
+          <a:p>
+            <a:pPr algn="ctr" rtl="0"/>
+            <a:endParaRPr lang="hu-HU"/>
+          </a:p>
+        </p:txBody>
+      </p:sp>
+      <p:sp>
+        <p:nvSpPr>
+          <p:cNvPr id="14" name="Téglalap 13">
+            <a:extLst>
+              <a:ext uri="{FF2B5EF4-FFF2-40B4-BE49-F238E27FC236}">
+                <a16:creationId xmlns:a16="http://schemas.microsoft.com/office/drawing/2014/main" id="{3C1F0EB8-D260-4FB6-ACF6-6E86B9A02919}"/>
+              </a:ext>
+              <a:ext uri="{C183D7F6-B498-43B3-948B-1728B52AA6E4}">
+                <adec:decorative xmlns="" xmlns:adec="http://schemas.microsoft.com/office/drawing/2017/decorative" val="1"/>
+              </a:ext>
+            </a:extLst>
+          </p:cNvPr>
+          <p:cNvSpPr/>
+          <p:nvPr/>
+        </p:nvSpPr>
+        <p:spPr>
+          <a:xfrm>
+            <a:off x="6834487" y="4223911"/>
+            <a:ext cx="5357513" cy="2634089"/>
+          </a:xfrm>
+          <a:prstGeom prst="rect">
+            <a:avLst/>
+          </a:prstGeom>
+          <a:solidFill>
+            <a:srgbClr val="2F3342"/>
+          </a:solidFill>
+          <a:ln>
+            <a:noFill/>
+          </a:ln>
+          <a:effectLst/>
+        </p:spPr>
+        <p:style>
+          <a:lnRef idx="2">
+            <a:schemeClr val="accent1">
+              <a:shade val="50000"/>
+            </a:schemeClr>
+          </a:lnRef>
+          <a:fillRef idx="1">
+            <a:schemeClr val="accent1"/>
+          </a:fillRef>
+          <a:effectRef idx="0">
+            <a:schemeClr val="accent1"/>
+          </a:effectRef>
+          <a:fontRef idx="minor">
+            <a:schemeClr val="lt1"/>
+          </a:fontRef>
+        </p:style>
+        <p:txBody>
+          <a:bodyPr rtlCol="0" anchor="ctr"/>
+          <a:lstStyle/>
+          <a:p>
+            <a:pPr algn="ctr" rtl="0"/>
+            <a:endParaRPr lang="hu-HU"/>
+          </a:p>
+        </p:txBody>
+      </p:sp>
+      <p:sp>
+        <p:nvSpPr>
+          <p:cNvPr id="15" name="Téglalap 14">
+            <a:extLst>
+              <a:ext uri="{FF2B5EF4-FFF2-40B4-BE49-F238E27FC236}">
+                <a16:creationId xmlns:a16="http://schemas.microsoft.com/office/drawing/2014/main" id="{76D4BFC2-69CA-4ED6-89E7-A9ADB571E7A4}"/>
+              </a:ext>
+            </a:extLst>
+          </p:cNvPr>
+          <p:cNvSpPr/>
+          <p:nvPr/>
+        </p:nvSpPr>
+        <p:spPr>
+          <a:xfrm>
+            <a:off x="7050026" y="4485342"/>
+            <a:ext cx="4423315" cy="1738307"/>
+          </a:xfrm>
+          <a:prstGeom prst="rect">
+            <a:avLst/>
+          </a:prstGeom>
+          <a:noFill/>
+          <a:ln>
+            <a:noFill/>
+          </a:ln>
+        </p:spPr>
+        <p:style>
+          <a:lnRef idx="2">
+            <a:schemeClr val="accent1">
+              <a:shade val="50000"/>
+            </a:schemeClr>
+          </a:lnRef>
+          <a:fillRef idx="1">
+            <a:schemeClr val="accent1"/>
+          </a:fillRef>
+          <a:effectRef idx="0">
+            <a:schemeClr val="accent1"/>
+          </a:effectRef>
+          <a:fontRef idx="minor">
+            <a:schemeClr val="lt1"/>
+          </a:fontRef>
+        </p:style>
+        <p:txBody>
+          <a:bodyPr lIns="274320" rIns="91440" rtlCol="0" anchor="ctr"/>
+          <a:lstStyle/>
+          <a:p>
+            <a:pPr rtl="0">
+              <a:lnSpc>
+                <a:spcPct val="80000"/>
+              </a:lnSpc>
+              <a:defRPr sz="10000">
+                <a:solidFill>
+                  <a:srgbClr val="3A3B39"/>
+                </a:solidFill>
+                <a:latin typeface="Bebas"/>
+                <a:ea typeface="Bebas"/>
+                <a:cs typeface="Bebas"/>
+                <a:sym typeface="Bebas"/>
+              </a:defRPr>
+            </a:pPr>
+            <a:r>
+              <a:rPr lang="hu-HU" sz="3200" b="1" dirty="0" smtClean="0">
+                <a:solidFill>
+                  <a:schemeClr val="bg1"/>
+                </a:solidFill>
+                <a:latin typeface="+mj-lt"/>
+                <a:cs typeface="Gill Sans" panose="020B0502020104020203" pitchFamily="34" charset="-79"/>
+              </a:rPr>
+              <a:t>Mappastruktúra</a:t>
+            </a:r>
+            <a:endParaRPr lang="hu-HU" sz="3200" b="1" dirty="0">
+              <a:solidFill>
+                <a:schemeClr val="bg1"/>
+              </a:solidFill>
+              <a:latin typeface="+mj-lt"/>
+              <a:cs typeface="Gill Sans" panose="020B0502020104020203" pitchFamily="34" charset="-79"/>
+            </a:endParaRPr>
+          </a:p>
+        </p:txBody>
+      </p:sp>
+      <p:sp>
+        <p:nvSpPr>
+          <p:cNvPr id="2" name="Élőláb helye 1">
+            <a:extLst>
+              <a:ext uri="{FF2B5EF4-FFF2-40B4-BE49-F238E27FC236}">
+                <a16:creationId xmlns:a16="http://schemas.microsoft.com/office/drawing/2014/main" id="{3D8BBA11-131E-446B-BC9B-D0A09B1AF059}"/>
+              </a:ext>
+            </a:extLst>
+          </p:cNvPr>
+          <p:cNvSpPr>
+            <a:spLocks noGrp="1"/>
+          </p:cNvSpPr>
+          <p:nvPr>
+            <p:ph type="ftr" sz="quarter" idx="11"/>
+          </p:nvPr>
+        </p:nvSpPr>
+        <p:spPr/>
+        <p:txBody>
+          <a:bodyPr rtlCol="0"/>
+          <a:lstStyle/>
+          <a:p>
+            <a:pPr rtl="0"/>
+            <a:r>
+              <a:rPr lang="hu-HU"/>
+              <a:t>Élőláb hozzáadása</a:t>
+            </a:r>
+          </a:p>
+        </p:txBody>
+      </p:sp>
+      <p:sp>
+        <p:nvSpPr>
+          <p:cNvPr id="9" name="Téglalap: Levágott sarok 8" descr="Élőláb kiemelés mező">
+            <a:extLst>
+              <a:ext uri="{FF2B5EF4-FFF2-40B4-BE49-F238E27FC236}">
+                <a16:creationId xmlns:a16="http://schemas.microsoft.com/office/drawing/2014/main" id="{DF712259-BEF9-4B45-8D68-5F74C49207DE}"/>
+              </a:ext>
+            </a:extLst>
+          </p:cNvPr>
+          <p:cNvSpPr/>
+          <p:nvPr/>
+        </p:nvSpPr>
+        <p:spPr>
+          <a:xfrm flipH="1">
+            <a:off x="11549269" y="6356350"/>
+            <a:ext cx="642731" cy="501650"/>
+          </a:xfrm>
+          <a:prstGeom prst="snip1Rect">
+            <a:avLst/>
+          </a:prstGeom>
+          <a:gradFill>
+            <a:gsLst>
+              <a:gs pos="0">
+                <a:srgbClr val="038B30">
+                  <a:alpha val="70000"/>
+                </a:srgbClr>
+              </a:gs>
+              <a:gs pos="50000">
+                <a:srgbClr val="05EE55">
+                  <a:alpha val="70000"/>
+                </a:srgbClr>
+              </a:gs>
+              <a:gs pos="100000">
+                <a:srgbClr val="C0F400">
+                  <a:alpha val="70000"/>
+                </a:srgbClr>
+              </a:gs>
+            </a:gsLst>
+            <a:lin ang="5400000" scaled="1"/>
+          </a:gradFill>
+          <a:ln>
+            <a:noFill/>
+          </a:ln>
+        </p:spPr>
+        <p:style>
+          <a:lnRef idx="2">
+            <a:schemeClr val="accent1">
+              <a:shade val="50000"/>
+            </a:schemeClr>
+          </a:lnRef>
+          <a:fillRef idx="1">
+            <a:schemeClr val="accent1"/>
+          </a:fillRef>
+          <a:effectRef idx="0">
+            <a:schemeClr val="accent1"/>
+          </a:effectRef>
+          <a:fontRef idx="minor">
+            <a:schemeClr val="lt1"/>
+          </a:fontRef>
+        </p:style>
+        <p:txBody>
+          <a:bodyPr rtlCol="0" anchor="ctr"/>
+          <a:lstStyle/>
+          <a:p>
+            <a:pPr algn="ctr" rtl="0"/>
+            <a:endParaRPr lang="hu-HU">
+              <a:solidFill>
+                <a:schemeClr val="bg1"/>
+              </a:solidFill>
+            </a:endParaRPr>
+          </a:p>
+        </p:txBody>
+      </p:sp>
+      <p:sp>
+        <p:nvSpPr>
+          <p:cNvPr id="3" name="Dia számának helye 2">
+            <a:extLst>
+              <a:ext uri="{FF2B5EF4-FFF2-40B4-BE49-F238E27FC236}">
+                <a16:creationId xmlns:a16="http://schemas.microsoft.com/office/drawing/2014/main" id="{206B3DE3-5308-4ADE-BC26-29765480D1E1}"/>
+              </a:ext>
+            </a:extLst>
+          </p:cNvPr>
+          <p:cNvSpPr>
+            <a:spLocks noGrp="1"/>
+          </p:cNvSpPr>
+          <p:nvPr>
+            <p:ph type="sldNum" sz="quarter" idx="12"/>
+          </p:nvPr>
+        </p:nvSpPr>
+        <p:spPr/>
+        <p:txBody>
+          <a:bodyPr rtlCol="0"/>
+          <a:lstStyle/>
+          <a:p>
+            <a:pPr rtl="0"/>
+            <a:fld id="{8C2E478F-E849-4A8C-AF1F-CBCC78A7CBFA}" type="slidenum">
+              <a:rPr lang="hu-HU" smtClean="0"/>
+              <a:pPr rtl="0"/>
+              <a:t>4</a:t>
+            </a:fld>
+            <a:endParaRPr lang="hu-HU"/>
+          </a:p>
+        </p:txBody>
+      </p:sp>
+      <p:pic>
+        <p:nvPicPr>
+          <p:cNvPr id="4" name="Kép 3"/>
+          <p:cNvPicPr>
+            <a:picLocks noChangeAspect="1"/>
+          </p:cNvPicPr>
+          <p:nvPr/>
+        </p:nvPicPr>
+        <p:blipFill>
+          <a:blip r:embed="rId4"/>
+          <a:stretch>
+            <a:fillRect/>
+          </a:stretch>
+        </p:blipFill>
+        <p:spPr>
+          <a:xfrm>
+            <a:off x="7556369" y="993941"/>
+            <a:ext cx="2596867" cy="3791670"/>
+          </a:xfrm>
+          <a:prstGeom prst="rect">
+            <a:avLst/>
+          </a:prstGeom>
+        </p:spPr>
+      </p:pic>
+      <p:pic>
+        <p:nvPicPr>
+          <p:cNvPr id="6" name="Kép 5"/>
+          <p:cNvPicPr>
+            <a:picLocks noChangeAspect="1"/>
+          </p:cNvPicPr>
+          <p:nvPr/>
+        </p:nvPicPr>
+        <p:blipFill>
+          <a:blip r:embed="rId5"/>
+          <a:stretch>
+            <a:fillRect/>
+          </a:stretch>
+        </p:blipFill>
+        <p:spPr>
+          <a:xfrm>
+            <a:off x="2288824" y="993941"/>
+            <a:ext cx="3217495" cy="4870117"/>
+          </a:xfrm>
+          <a:prstGeom prst="rect">
+            <a:avLst/>
+          </a:prstGeom>
+        </p:spPr>
+      </p:pic>
+    </p:spTree>
+    <p:extLst>
+      <p:ext uri="{BB962C8B-B14F-4D97-AF65-F5344CB8AC3E}">
+        <p14:creationId xmlns:p14="http://schemas.microsoft.com/office/powerpoint/2010/main" val="1389222877"/>
+      </p:ext>
+    </p:extLst>
+  </p:cSld>
+  <p:clrMapOvr>
+    <a:masterClrMapping/>
+  </p:clrMapOvr>
+</p:sld>
+</file>
+
+<file path=ppt/slides/slide5.xml><?xml version="1.0" encoding="utf-8"?>
 <p:sld xmlns:a="http://schemas.openxmlformats.org/drawingml/2006/main" xmlns:r="http://schemas.openxmlformats.org/officeDocument/2006/relationships" xmlns:p="http://schemas.openxmlformats.org/presentationml/2006/main">
   <p:cSld>
     <p:spTree>
@@ -11109,11 +11422,7 @@
           <a:p>
             <a:r>
               <a:rPr lang="hu-HU" dirty="0" smtClean="0"/>
-              <a:t>C# nyelven </a:t>
-            </a:r>
-            <a:r>
-              <a:rPr lang="hu-HU" dirty="0" smtClean="0"/>
-              <a:t>íródott</a:t>
+              <a:t>C# nyelven íródott</a:t>
             </a:r>
           </a:p>
           <a:p>
@@ -11190,7 +11499,7 @@
             <a:fld id="{8C2E478F-E849-4A8C-AF1F-CBCC78A7CBFA}" type="slidenum">
               <a:rPr lang="hu-HU" smtClean="0"/>
               <a:pPr rtl="0"/>
-              <a:t>4</a:t>
+              <a:t>5</a:t>
             </a:fld>
             <a:endParaRPr lang="hu-HU"/>
           </a:p>
@@ -11317,7 +11626,7 @@
 </p:sld>
 </file>
 
-<file path=ppt/slides/slide5.xml><?xml version="1.0" encoding="utf-8"?>
+<file path=ppt/slides/slide6.xml><?xml version="1.0" encoding="utf-8"?>
 <p:sld xmlns:a="http://schemas.openxmlformats.org/drawingml/2006/main" xmlns:r="http://schemas.openxmlformats.org/officeDocument/2006/relationships" xmlns:p="http://schemas.openxmlformats.org/presentationml/2006/main">
   <p:cSld>
     <p:spTree>
@@ -11359,7 +11668,7 @@
             <a:fld id="{8C2E478F-E849-4A8C-AF1F-CBCC78A7CBFA}" type="slidenum">
               <a:rPr lang="hu-HU" smtClean="0"/>
               <a:pPr rtl="0"/>
-              <a:t>5</a:t>
+              <a:t>6</a:t>
             </a:fld>
             <a:endParaRPr lang="hu-HU" dirty="0"/>
           </a:p>
@@ -11426,7 +11735,7 @@
 </p:sld>
 </file>
 
-<file path=ppt/slides/slide6.xml><?xml version="1.0" encoding="utf-8"?>
+<file path=ppt/slides/slide7.xml><?xml version="1.0" encoding="utf-8"?>
 <p:sld xmlns:a="http://schemas.openxmlformats.org/drawingml/2006/main" xmlns:r="http://schemas.openxmlformats.org/officeDocument/2006/relationships" xmlns:p="http://schemas.openxmlformats.org/presentationml/2006/main">
   <p:cSld>
     <p:spTree>
@@ -11757,14 +12066,12 @@
               <a:rPr lang="hu-HU" dirty="0" smtClean="0"/>
               <a:t>Az oldal tetején lévő menüvel lehet az oldalak között váltani</a:t>
             </a:r>
-            <a:endParaRPr lang="hu-HU" dirty="0" smtClean="0"/>
           </a:p>
           <a:p>
             <a:r>
               <a:rPr lang="hu-HU" dirty="0" smtClean="0"/>
               <a:t>A főoldalon rövid bemutató a csapattagokról</a:t>
             </a:r>
-            <a:endParaRPr lang="hu-HU" dirty="0" smtClean="0"/>
           </a:p>
           <a:p>
             <a:r>
@@ -11783,7 +12090,6 @@
               <a:rPr lang="hu-HU" dirty="0" smtClean="0"/>
               <a:t>Alakzatok bemutatása</a:t>
             </a:r>
-            <a:endParaRPr lang="hu-HU" dirty="0" smtClean="0"/>
           </a:p>
           <a:p>
             <a:r>
@@ -11850,7 +12156,7 @@
             <a:fld id="{8C2E478F-E849-4A8C-AF1F-CBCC78A7CBFA}" type="slidenum">
               <a:rPr lang="hu-HU" smtClean="0"/>
               <a:pPr rtl="0"/>
-              <a:t>6</a:t>
+              <a:t>7</a:t>
             </a:fld>
             <a:endParaRPr lang="hu-HU"/>
           </a:p>
@@ -11929,7 +12235,7 @@
 </p:sld>
 </file>
 
-<file path=ppt/slides/slide7.xml><?xml version="1.0" encoding="utf-8"?>
+<file path=ppt/slides/slide8.xml><?xml version="1.0" encoding="utf-8"?>
 <p:sld xmlns:a="http://schemas.openxmlformats.org/drawingml/2006/main" xmlns:r="http://schemas.openxmlformats.org/officeDocument/2006/relationships" xmlns:p="http://schemas.openxmlformats.org/presentationml/2006/main">
   <p:cSld>
     <p:spTree>
@@ -11971,7 +12277,7 @@
             <a:fld id="{8C2E478F-E849-4A8C-AF1F-CBCC78A7CBFA}" type="slidenum">
               <a:rPr lang="hu-HU" smtClean="0"/>
               <a:pPr rtl="0"/>
-              <a:t>7</a:t>
+              <a:t>8</a:t>
             </a:fld>
             <a:endParaRPr lang="hu-HU" dirty="0"/>
           </a:p>
@@ -12029,496 +12335,6 @@
     <p:extLst>
       <p:ext uri="{BB962C8B-B14F-4D97-AF65-F5344CB8AC3E}">
         <p14:creationId xmlns:p14="http://schemas.microsoft.com/office/powerpoint/2010/main" val="685237387"/>
-      </p:ext>
-    </p:extLst>
-  </p:cSld>
-  <p:clrMapOvr>
-    <a:masterClrMapping/>
-  </p:clrMapOvr>
-</p:sld>
-</file>
-
-<file path=ppt/slides/slide8.xml><?xml version="1.0" encoding="utf-8"?>
-<p:sld xmlns:a="http://schemas.openxmlformats.org/drawingml/2006/main" xmlns:r="http://schemas.openxmlformats.org/officeDocument/2006/relationships" xmlns:p="http://schemas.openxmlformats.org/presentationml/2006/main">
-  <p:cSld>
-    <p:spTree>
-      <p:nvGrpSpPr>
-        <p:cNvPr id="1" name=""/>
-        <p:cNvGrpSpPr/>
-        <p:nvPr/>
-      </p:nvGrpSpPr>
-      <p:grpSpPr>
-        <a:xfrm>
-          <a:off x="0" y="0"/>
-          <a:ext cx="0" cy="0"/>
-          <a:chOff x="0" y="0"/>
-          <a:chExt cx="0" cy="0"/>
-        </a:xfrm>
-      </p:grpSpPr>
-      <p:sp>
-        <p:nvSpPr>
-          <p:cNvPr id="8" name="Cím 7">
-            <a:extLst>
-              <a:ext uri="{FF2B5EF4-FFF2-40B4-BE49-F238E27FC236}">
-                <a16:creationId xmlns:a16="http://schemas.microsoft.com/office/drawing/2014/main" id="{097D2725-75F4-45AA-950F-2F67BBF8F754}"/>
-              </a:ext>
-            </a:extLst>
-          </p:cNvPr>
-          <p:cNvSpPr>
-            <a:spLocks noGrp="1"/>
-          </p:cNvSpPr>
-          <p:nvPr>
-            <p:ph type="title"/>
-          </p:nvPr>
-        </p:nvSpPr>
-        <p:spPr>
-          <a:xfrm>
-            <a:off x="595884" y="0"/>
-            <a:ext cx="11000232" cy="1188720"/>
-          </a:xfrm>
-        </p:spPr>
-        <p:txBody>
-          <a:bodyPr rtlCol="0"/>
-          <a:lstStyle/>
-          <a:p>
-            <a:pPr rtl="0"/>
-            <a:r>
-              <a:rPr lang="hu-HU"/>
-              <a:t>Cím:</a:t>
-            </a:r>
-          </a:p>
-        </p:txBody>
-      </p:sp>
-      <p:pic>
-        <p:nvPicPr>
-          <p:cNvPr id="5" name="Kép helyőrzője 4" descr="Absztrakt épület" title="Absztrakt épület">
-            <a:extLst>
-              <a:ext uri="{FF2B5EF4-FFF2-40B4-BE49-F238E27FC236}">
-                <a16:creationId xmlns:a16="http://schemas.microsoft.com/office/drawing/2014/main" id="{A0DC386B-E165-424D-B694-E2C45FFA4071}"/>
-              </a:ext>
-            </a:extLst>
-          </p:cNvPr>
-          <p:cNvPicPr>
-            <a:picLocks noGrp="1" noChangeAspect="1"/>
-          </p:cNvPicPr>
-          <p:nvPr>
-            <p:ph type="pic" sz="quarter" idx="10"/>
-          </p:nvPr>
-        </p:nvPicPr>
-        <p:blipFill>
-          <a:blip r:embed="rId3">
-            <a:extLst>
-              <a:ext uri="{28A0092B-C50C-407E-A947-70E740481C1C}">
-                <a14:useLocalDpi xmlns:a14="http://schemas.microsoft.com/office/drawing/2010/main" val="0"/>
-              </a:ext>
-            </a:extLst>
-          </a:blip>
-          <a:srcRect/>
-          <a:stretch>
-            <a:fillRect/>
-          </a:stretch>
-        </p:blipFill>
-        <p:spPr/>
-      </p:pic>
-      <p:sp>
-        <p:nvSpPr>
-          <p:cNvPr id="11" name="Téglalap 10">
-            <a:extLst>
-              <a:ext uri="{FF2B5EF4-FFF2-40B4-BE49-F238E27FC236}">
-                <a16:creationId xmlns:a16="http://schemas.microsoft.com/office/drawing/2014/main" id="{618826A1-4E90-405A-AE28-5500B0A362E3}"/>
-              </a:ext>
-              <a:ext uri="{C183D7F6-B498-43B3-948B-1728B52AA6E4}">
-                <adec:decorative xmlns="" xmlns:adec="http://schemas.microsoft.com/office/drawing/2017/decorative" val="1"/>
-              </a:ext>
-            </a:extLst>
-          </p:cNvPr>
-          <p:cNvSpPr/>
-          <p:nvPr/>
-        </p:nvSpPr>
-        <p:spPr>
-          <a:xfrm flipH="1">
-            <a:off x="6568221" y="4076700"/>
-            <a:ext cx="5386926" cy="2131595"/>
-          </a:xfrm>
-          <a:prstGeom prst="rect">
-            <a:avLst/>
-          </a:prstGeom>
-          <a:gradFill>
-            <a:gsLst>
-              <a:gs pos="0">
-                <a:srgbClr val="038B30">
-                  <a:alpha val="70000"/>
-                </a:srgbClr>
-              </a:gs>
-              <a:gs pos="100000">
-                <a:srgbClr val="C0F400">
-                  <a:alpha val="70000"/>
-                </a:srgbClr>
-              </a:gs>
-              <a:gs pos="50000">
-                <a:srgbClr val="05EE55">
-                  <a:alpha val="70000"/>
-                </a:srgbClr>
-              </a:gs>
-            </a:gsLst>
-            <a:lin ang="16200000" scaled="1"/>
-          </a:gradFill>
-          <a:ln>
-            <a:noFill/>
-          </a:ln>
-        </p:spPr>
-        <p:style>
-          <a:lnRef idx="2">
-            <a:schemeClr val="accent1">
-              <a:shade val="50000"/>
-            </a:schemeClr>
-          </a:lnRef>
-          <a:fillRef idx="1">
-            <a:schemeClr val="accent1"/>
-          </a:fillRef>
-          <a:effectRef idx="0">
-            <a:schemeClr val="accent1"/>
-          </a:effectRef>
-          <a:fontRef idx="minor">
-            <a:schemeClr val="lt1"/>
-          </a:fontRef>
-        </p:style>
-        <p:txBody>
-          <a:bodyPr rtlCol="0" anchor="ctr"/>
-          <a:lstStyle/>
-          <a:p>
-            <a:pPr algn="ctr" rtl="0"/>
-            <a:endParaRPr lang="hu-HU"/>
-          </a:p>
-        </p:txBody>
-      </p:sp>
-      <p:sp>
-        <p:nvSpPr>
-          <p:cNvPr id="10" name="Téglalap 9">
-            <a:extLst>
-              <a:ext uri="{FF2B5EF4-FFF2-40B4-BE49-F238E27FC236}">
-                <a16:creationId xmlns:a16="http://schemas.microsoft.com/office/drawing/2014/main" id="{0783A1B7-34FF-4F2F-A68D-A3D22C770FCB}"/>
-              </a:ext>
-              <a:ext uri="{C183D7F6-B498-43B3-948B-1728B52AA6E4}">
-                <adec:decorative xmlns="" xmlns:adec="http://schemas.microsoft.com/office/drawing/2017/decorative" val="1"/>
-              </a:ext>
-            </a:extLst>
-          </p:cNvPr>
-          <p:cNvSpPr/>
-          <p:nvPr/>
-        </p:nvSpPr>
-        <p:spPr>
-          <a:xfrm flipH="1">
-            <a:off x="791413" y="502215"/>
-            <a:ext cx="10638585" cy="5706080"/>
-          </a:xfrm>
-          <a:prstGeom prst="rect">
-            <a:avLst/>
-          </a:prstGeom>
-          <a:noFill/>
-          <a:ln w="88900">
-            <a:solidFill>
-              <a:schemeClr val="bg1"/>
-            </a:solidFill>
-          </a:ln>
-        </p:spPr>
-        <p:style>
-          <a:lnRef idx="2">
-            <a:schemeClr val="accent1">
-              <a:shade val="50000"/>
-            </a:schemeClr>
-          </a:lnRef>
-          <a:fillRef idx="1">
-            <a:schemeClr val="accent1"/>
-          </a:fillRef>
-          <a:effectRef idx="0">
-            <a:schemeClr val="accent1"/>
-          </a:effectRef>
-          <a:fontRef idx="minor">
-            <a:schemeClr val="lt1"/>
-          </a:fontRef>
-        </p:style>
-        <p:txBody>
-          <a:bodyPr rtlCol="0" anchor="ctr"/>
-          <a:lstStyle/>
-          <a:p>
-            <a:pPr algn="ctr" rtl="0"/>
-            <a:endParaRPr lang="hu-HU"/>
-          </a:p>
-        </p:txBody>
-      </p:sp>
-      <p:sp>
-        <p:nvSpPr>
-          <p:cNvPr id="14" name="Téglalap 13">
-            <a:extLst>
-              <a:ext uri="{FF2B5EF4-FFF2-40B4-BE49-F238E27FC236}">
-                <a16:creationId xmlns:a16="http://schemas.microsoft.com/office/drawing/2014/main" id="{3C1F0EB8-D260-4FB6-ACF6-6E86B9A02919}"/>
-              </a:ext>
-              <a:ext uri="{C183D7F6-B498-43B3-948B-1728B52AA6E4}">
-                <adec:decorative xmlns="" xmlns:adec="http://schemas.microsoft.com/office/drawing/2017/decorative" val="1"/>
-              </a:ext>
-            </a:extLst>
-          </p:cNvPr>
-          <p:cNvSpPr/>
-          <p:nvPr/>
-        </p:nvSpPr>
-        <p:spPr>
-          <a:xfrm>
-            <a:off x="6834487" y="4223911"/>
-            <a:ext cx="5357513" cy="2634089"/>
-          </a:xfrm>
-          <a:prstGeom prst="rect">
-            <a:avLst/>
-          </a:prstGeom>
-          <a:solidFill>
-            <a:srgbClr val="2F3342"/>
-          </a:solidFill>
-          <a:ln>
-            <a:noFill/>
-          </a:ln>
-          <a:effectLst/>
-        </p:spPr>
-        <p:style>
-          <a:lnRef idx="2">
-            <a:schemeClr val="accent1">
-              <a:shade val="50000"/>
-            </a:schemeClr>
-          </a:lnRef>
-          <a:fillRef idx="1">
-            <a:schemeClr val="accent1"/>
-          </a:fillRef>
-          <a:effectRef idx="0">
-            <a:schemeClr val="accent1"/>
-          </a:effectRef>
-          <a:fontRef idx="minor">
-            <a:schemeClr val="lt1"/>
-          </a:fontRef>
-        </p:style>
-        <p:txBody>
-          <a:bodyPr rtlCol="0" anchor="ctr"/>
-          <a:lstStyle/>
-          <a:p>
-            <a:pPr algn="ctr" rtl="0"/>
-            <a:endParaRPr lang="hu-HU"/>
-          </a:p>
-        </p:txBody>
-      </p:sp>
-      <p:sp>
-        <p:nvSpPr>
-          <p:cNvPr id="15" name="Téglalap 14">
-            <a:extLst>
-              <a:ext uri="{FF2B5EF4-FFF2-40B4-BE49-F238E27FC236}">
-                <a16:creationId xmlns:a16="http://schemas.microsoft.com/office/drawing/2014/main" id="{76D4BFC2-69CA-4ED6-89E7-A9ADB571E7A4}"/>
-              </a:ext>
-            </a:extLst>
-          </p:cNvPr>
-          <p:cNvSpPr/>
-          <p:nvPr/>
-        </p:nvSpPr>
-        <p:spPr>
-          <a:xfrm>
-            <a:off x="7050026" y="4485342"/>
-            <a:ext cx="4423315" cy="1738307"/>
-          </a:xfrm>
-          <a:prstGeom prst="rect">
-            <a:avLst/>
-          </a:prstGeom>
-          <a:noFill/>
-          <a:ln>
-            <a:noFill/>
-          </a:ln>
-        </p:spPr>
-        <p:style>
-          <a:lnRef idx="2">
-            <a:schemeClr val="accent1">
-              <a:shade val="50000"/>
-            </a:schemeClr>
-          </a:lnRef>
-          <a:fillRef idx="1">
-            <a:schemeClr val="accent1"/>
-          </a:fillRef>
-          <a:effectRef idx="0">
-            <a:schemeClr val="accent1"/>
-          </a:effectRef>
-          <a:fontRef idx="minor">
-            <a:schemeClr val="lt1"/>
-          </a:fontRef>
-        </p:style>
-        <p:txBody>
-          <a:bodyPr lIns="274320" rIns="91440" rtlCol="0" anchor="ctr"/>
-          <a:lstStyle/>
-          <a:p>
-            <a:pPr rtl="0">
-              <a:lnSpc>
-                <a:spcPct val="80000"/>
-              </a:lnSpc>
-              <a:defRPr sz="10000">
-                <a:solidFill>
-                  <a:srgbClr val="3A3B39"/>
-                </a:solidFill>
-                <a:latin typeface="Bebas"/>
-                <a:ea typeface="Bebas"/>
-                <a:cs typeface="Bebas"/>
-                <a:sym typeface="Bebas"/>
-              </a:defRPr>
-            </a:pPr>
-            <a:r>
-              <a:rPr lang="hu-HU" sz="3200" b="1" dirty="0" smtClean="0">
-                <a:solidFill>
-                  <a:schemeClr val="bg1"/>
-                </a:solidFill>
-                <a:latin typeface="+mj-lt"/>
-                <a:cs typeface="Gill Sans" panose="020B0502020104020203" pitchFamily="34" charset="-79"/>
-              </a:rPr>
-              <a:t>Mappastruktúra</a:t>
-            </a:r>
-            <a:endParaRPr lang="hu-HU" sz="3200" b="1" dirty="0">
-              <a:solidFill>
-                <a:schemeClr val="bg1"/>
-              </a:solidFill>
-              <a:latin typeface="+mj-lt"/>
-              <a:cs typeface="Gill Sans" panose="020B0502020104020203" pitchFamily="34" charset="-79"/>
-            </a:endParaRPr>
-          </a:p>
-        </p:txBody>
-      </p:sp>
-      <p:sp>
-        <p:nvSpPr>
-          <p:cNvPr id="2" name="Élőláb helye 1">
-            <a:extLst>
-              <a:ext uri="{FF2B5EF4-FFF2-40B4-BE49-F238E27FC236}">
-                <a16:creationId xmlns:a16="http://schemas.microsoft.com/office/drawing/2014/main" id="{3D8BBA11-131E-446B-BC9B-D0A09B1AF059}"/>
-              </a:ext>
-            </a:extLst>
-          </p:cNvPr>
-          <p:cNvSpPr>
-            <a:spLocks noGrp="1"/>
-          </p:cNvSpPr>
-          <p:nvPr>
-            <p:ph type="ftr" sz="quarter" idx="11"/>
-          </p:nvPr>
-        </p:nvSpPr>
-        <p:spPr/>
-        <p:txBody>
-          <a:bodyPr rtlCol="0"/>
-          <a:lstStyle/>
-          <a:p>
-            <a:pPr rtl="0"/>
-            <a:r>
-              <a:rPr lang="hu-HU"/>
-              <a:t>Élőláb hozzáadása</a:t>
-            </a:r>
-          </a:p>
-        </p:txBody>
-      </p:sp>
-      <p:sp>
-        <p:nvSpPr>
-          <p:cNvPr id="9" name="Téglalap: Levágott sarok 8" descr="Élőláb kiemelés mező">
-            <a:extLst>
-              <a:ext uri="{FF2B5EF4-FFF2-40B4-BE49-F238E27FC236}">
-                <a16:creationId xmlns:a16="http://schemas.microsoft.com/office/drawing/2014/main" id="{DF712259-BEF9-4B45-8D68-5F74C49207DE}"/>
-              </a:ext>
-            </a:extLst>
-          </p:cNvPr>
-          <p:cNvSpPr/>
-          <p:nvPr/>
-        </p:nvSpPr>
-        <p:spPr>
-          <a:xfrm flipH="1">
-            <a:off x="11549269" y="6356350"/>
-            <a:ext cx="642731" cy="501650"/>
-          </a:xfrm>
-          <a:prstGeom prst="snip1Rect">
-            <a:avLst/>
-          </a:prstGeom>
-          <a:gradFill>
-            <a:gsLst>
-              <a:gs pos="0">
-                <a:srgbClr val="038B30">
-                  <a:alpha val="70000"/>
-                </a:srgbClr>
-              </a:gs>
-              <a:gs pos="50000">
-                <a:srgbClr val="05EE55">
-                  <a:alpha val="70000"/>
-                </a:srgbClr>
-              </a:gs>
-              <a:gs pos="100000">
-                <a:srgbClr val="C0F400">
-                  <a:alpha val="70000"/>
-                </a:srgbClr>
-              </a:gs>
-            </a:gsLst>
-            <a:lin ang="5400000" scaled="1"/>
-          </a:gradFill>
-          <a:ln>
-            <a:noFill/>
-          </a:ln>
-        </p:spPr>
-        <p:style>
-          <a:lnRef idx="2">
-            <a:schemeClr val="accent1">
-              <a:shade val="50000"/>
-            </a:schemeClr>
-          </a:lnRef>
-          <a:fillRef idx="1">
-            <a:schemeClr val="accent1"/>
-          </a:fillRef>
-          <a:effectRef idx="0">
-            <a:schemeClr val="accent1"/>
-          </a:effectRef>
-          <a:fontRef idx="minor">
-            <a:schemeClr val="lt1"/>
-          </a:fontRef>
-        </p:style>
-        <p:txBody>
-          <a:bodyPr rtlCol="0" anchor="ctr"/>
-          <a:lstStyle/>
-          <a:p>
-            <a:pPr algn="ctr" rtl="0"/>
-            <a:endParaRPr lang="hu-HU">
-              <a:solidFill>
-                <a:schemeClr val="bg1"/>
-              </a:solidFill>
-            </a:endParaRPr>
-          </a:p>
-        </p:txBody>
-      </p:sp>
-      <p:sp>
-        <p:nvSpPr>
-          <p:cNvPr id="3" name="Dia számának helye 2">
-            <a:extLst>
-              <a:ext uri="{FF2B5EF4-FFF2-40B4-BE49-F238E27FC236}">
-                <a16:creationId xmlns:a16="http://schemas.microsoft.com/office/drawing/2014/main" id="{206B3DE3-5308-4ADE-BC26-29765480D1E1}"/>
-              </a:ext>
-            </a:extLst>
-          </p:cNvPr>
-          <p:cNvSpPr>
-            <a:spLocks noGrp="1"/>
-          </p:cNvSpPr>
-          <p:nvPr>
-            <p:ph type="sldNum" sz="quarter" idx="12"/>
-          </p:nvPr>
-        </p:nvSpPr>
-        <p:spPr/>
-        <p:txBody>
-          <a:bodyPr rtlCol="0"/>
-          <a:lstStyle/>
-          <a:p>
-            <a:pPr rtl="0"/>
-            <a:fld id="{8C2E478F-E849-4A8C-AF1F-CBCC78A7CBFA}" type="slidenum">
-              <a:rPr lang="hu-HU" smtClean="0"/>
-              <a:pPr rtl="0"/>
-              <a:t>8</a:t>
-            </a:fld>
-            <a:endParaRPr lang="hu-HU"/>
-          </a:p>
-        </p:txBody>
-      </p:sp>
-    </p:spTree>
-    <p:extLst>
-      <p:ext uri="{BB962C8B-B14F-4D97-AF65-F5344CB8AC3E}">
-        <p14:creationId xmlns:p14="http://schemas.microsoft.com/office/powerpoint/2010/main" val="1389222877"/>
       </p:ext>
     </p:extLst>
   </p:cSld>
@@ -12870,37 +12686,8 @@
           <a:p>
             <a:pPr rtl="0"/>
             <a:r>
-              <a:rPr lang="hu-HU"/>
+              <a:rPr lang="hu-HU" dirty="0"/>
               <a:t>KÖSZÖNJÜK!</a:t>
-            </a:r>
-          </a:p>
-        </p:txBody>
-      </p:sp>
-      <p:sp>
-        <p:nvSpPr>
-          <p:cNvPr id="10" name="Alcím 9">
-            <a:extLst>
-              <a:ext uri="{FF2B5EF4-FFF2-40B4-BE49-F238E27FC236}">
-                <a16:creationId xmlns:a16="http://schemas.microsoft.com/office/drawing/2014/main" id="{3E9BAE4F-16CE-4F5D-9BC7-2CB992790F2F}"/>
-              </a:ext>
-            </a:extLst>
-          </p:cNvPr>
-          <p:cNvSpPr>
-            <a:spLocks noGrp="1"/>
-          </p:cNvSpPr>
-          <p:nvPr>
-            <p:ph type="subTitle" idx="1"/>
-          </p:nvPr>
-        </p:nvSpPr>
-        <p:spPr/>
-        <p:txBody>
-          <a:bodyPr rtlCol="0"/>
-          <a:lstStyle/>
-          <a:p>
-            <a:pPr rtl="0"/>
-            <a:r>
-              <a:rPr lang="hu-HU"/>
-              <a:t>IDE KERÜL AZ ALCÍM</a:t>
             </a:r>
           </a:p>
         </p:txBody>
